--- a/Algebra/Глава 3/18.pptx
+++ b/Algebra/Глава 3/18.pptx
@@ -3092,7 +3092,7 @@
       <p:grpSpPr/>
       <p:pic>
         <p:nvPicPr>
-          <p:cNvPr id="2" name="13482641625a80ac1715a736dfaf115ff8dbbda369c48b4f1ffdf75f35efaf80.mp4">
+          <p:cNvPr id="2" name="46a124db899978109ac73776f3b1f45bc00da1d7c2b27d34b2bde1f61af0c82d.mp4">
             <a:hlinkClick r:id="" action="ppaction://media"/>
           </p:cNvPr>
           <p:cNvPicPr>
@@ -3165,7 +3165,7 @@
       <p:grpSpPr/>
       <p:pic>
         <p:nvPicPr>
-          <p:cNvPr id="2" name="d481a6e43bc948f863d4531d680a13f79907a2e689ecf3fb8a22841e616553b2.mp4">
+          <p:cNvPr id="2" name="58145ffa9f10bbc0a5694cf5e9562a51e3e07b551e945407e1b040fdc8f4f676.mp4">
             <a:hlinkClick r:id="" action="ppaction://media"/>
           </p:cNvPr>
           <p:cNvPicPr>
@@ -3238,7 +3238,7 @@
       <p:grpSpPr/>
       <p:pic>
         <p:nvPicPr>
-          <p:cNvPr id="2" name="8a86ad960ead0b2abdb05e97af70506ea76b2c17668f80b7c741ca065d6c4b17.mp4">
+          <p:cNvPr id="2" name="fa850acb2cee87f3dc56394b276d846d2d36ccb32a5602df2503ce874c9558e1.mp4">
             <a:hlinkClick r:id="" action="ppaction://media"/>
           </p:cNvPr>
           <p:cNvPicPr>
